--- a/docs/diagrams/Command_Generate_SequenceDiagram.pptx
+++ b/docs/diagrams/Command_Generate_SequenceDiagram.pptx
@@ -208,7 +208,7 @@
           <a:p>
             <a:fld id="{F5CC4B3F-88C1-4FFA-B1B6-F41C21DC6924}" type="datetimeFigureOut">
               <a:rPr lang="en-US" smtClean="0"/>
-              <a:t>09-Apr-19</a:t>
+              <a:t>10-Apr-19</a:t>
             </a:fld>
             <a:endParaRPr lang="en-US"/>
           </a:p>
@@ -738,7 +738,7 @@
           <a:p>
             <a:fld id="{78C97017-6FC3-485B-9764-EAC9E56C1D49}" type="datetimeFigureOut">
               <a:rPr lang="en-US" smtClean="0"/>
-              <a:t>09-Apr-19</a:t>
+              <a:t>10-Apr-19</a:t>
             </a:fld>
             <a:endParaRPr lang="en-US"/>
           </a:p>
@@ -906,7 +906,7 @@
           <a:p>
             <a:fld id="{78C97017-6FC3-485B-9764-EAC9E56C1D49}" type="datetimeFigureOut">
               <a:rPr lang="en-US" smtClean="0"/>
-              <a:t>09-Apr-19</a:t>
+              <a:t>10-Apr-19</a:t>
             </a:fld>
             <a:endParaRPr lang="en-US"/>
           </a:p>
@@ -1084,7 +1084,7 @@
           <a:p>
             <a:fld id="{78C97017-6FC3-485B-9764-EAC9E56C1D49}" type="datetimeFigureOut">
               <a:rPr lang="en-US" smtClean="0"/>
-              <a:t>09-Apr-19</a:t>
+              <a:t>10-Apr-19</a:t>
             </a:fld>
             <a:endParaRPr lang="en-US"/>
           </a:p>
@@ -1252,7 +1252,7 @@
           <a:p>
             <a:fld id="{78C97017-6FC3-485B-9764-EAC9E56C1D49}" type="datetimeFigureOut">
               <a:rPr lang="en-US" smtClean="0"/>
-              <a:t>09-Apr-19</a:t>
+              <a:t>10-Apr-19</a:t>
             </a:fld>
             <a:endParaRPr lang="en-US"/>
           </a:p>
@@ -1497,7 +1497,7 @@
           <a:p>
             <a:fld id="{78C97017-6FC3-485B-9764-EAC9E56C1D49}" type="datetimeFigureOut">
               <a:rPr lang="en-US" smtClean="0"/>
-              <a:t>09-Apr-19</a:t>
+              <a:t>10-Apr-19</a:t>
             </a:fld>
             <a:endParaRPr lang="en-US"/>
           </a:p>
@@ -1782,7 +1782,7 @@
           <a:p>
             <a:fld id="{78C97017-6FC3-485B-9764-EAC9E56C1D49}" type="datetimeFigureOut">
               <a:rPr lang="en-US" smtClean="0"/>
-              <a:t>09-Apr-19</a:t>
+              <a:t>10-Apr-19</a:t>
             </a:fld>
             <a:endParaRPr lang="en-US"/>
           </a:p>
@@ -2201,7 +2201,7 @@
           <a:p>
             <a:fld id="{78C97017-6FC3-485B-9764-EAC9E56C1D49}" type="datetimeFigureOut">
               <a:rPr lang="en-US" smtClean="0"/>
-              <a:t>09-Apr-19</a:t>
+              <a:t>10-Apr-19</a:t>
             </a:fld>
             <a:endParaRPr lang="en-US"/>
           </a:p>
@@ -2318,7 +2318,7 @@
           <a:p>
             <a:fld id="{78C97017-6FC3-485B-9764-EAC9E56C1D49}" type="datetimeFigureOut">
               <a:rPr lang="en-US" smtClean="0"/>
-              <a:t>09-Apr-19</a:t>
+              <a:t>10-Apr-19</a:t>
             </a:fld>
             <a:endParaRPr lang="en-US"/>
           </a:p>
@@ -2413,7 +2413,7 @@
           <a:p>
             <a:fld id="{78C97017-6FC3-485B-9764-EAC9E56C1D49}" type="datetimeFigureOut">
               <a:rPr lang="en-US" smtClean="0"/>
-              <a:t>09-Apr-19</a:t>
+              <a:t>10-Apr-19</a:t>
             </a:fld>
             <a:endParaRPr lang="en-US"/>
           </a:p>
@@ -2688,7 +2688,7 @@
           <a:p>
             <a:fld id="{78C97017-6FC3-485B-9764-EAC9E56C1D49}" type="datetimeFigureOut">
               <a:rPr lang="en-US" smtClean="0"/>
-              <a:t>09-Apr-19</a:t>
+              <a:t>10-Apr-19</a:t>
             </a:fld>
             <a:endParaRPr lang="en-US"/>
           </a:p>
@@ -2940,7 +2940,7 @@
           <a:p>
             <a:fld id="{78C97017-6FC3-485B-9764-EAC9E56C1D49}" type="datetimeFigureOut">
               <a:rPr lang="en-US" smtClean="0"/>
-              <a:t>09-Apr-19</a:t>
+              <a:t>10-Apr-19</a:t>
             </a:fld>
             <a:endParaRPr lang="en-US"/>
           </a:p>
@@ -3151,7 +3151,7 @@
           <a:p>
             <a:fld id="{78C97017-6FC3-485B-9764-EAC9E56C1D49}" type="datetimeFigureOut">
               <a:rPr lang="en-US" smtClean="0"/>
-              <a:t>09-Apr-19</a:t>
+              <a:t>10-Apr-19</a:t>
             </a:fld>
             <a:endParaRPr lang="en-US"/>
           </a:p>
@@ -3534,8 +3534,8 @@
         </p:nvSpPr>
         <p:spPr>
           <a:xfrm>
-            <a:off x="-1752600" y="700651"/>
-            <a:ext cx="8172708" cy="5160741"/>
+            <a:off x="-1752600" y="914404"/>
+            <a:ext cx="8172708" cy="4563587"/>
           </a:xfrm>
           <a:prstGeom prst="roundRect">
             <a:avLst>
@@ -4651,8 +4651,8 @@
         </p:nvSpPr>
         <p:spPr>
           <a:xfrm>
-            <a:off x="6507233" y="688246"/>
-            <a:ext cx="4541767" cy="5160741"/>
+            <a:off x="6507233" y="914403"/>
+            <a:ext cx="4465567" cy="4563587"/>
           </a:xfrm>
           <a:prstGeom prst="roundRect">
             <a:avLst>

--- a/docs/diagrams/Command_Generate_SequenceDiagram.pptx
+++ b/docs/diagrams/Command_Generate_SequenceDiagram.pptx
@@ -208,7 +208,7 @@
           <a:p>
             <a:fld id="{F5CC4B3F-88C1-4FFA-B1B6-F41C21DC6924}" type="datetimeFigureOut">
               <a:rPr lang="en-US" smtClean="0"/>
-              <a:t>10-Apr-19</a:t>
+              <a:t>13-Apr-19</a:t>
             </a:fld>
             <a:endParaRPr lang="en-US"/>
           </a:p>
@@ -738,7 +738,7 @@
           <a:p>
             <a:fld id="{78C97017-6FC3-485B-9764-EAC9E56C1D49}" type="datetimeFigureOut">
               <a:rPr lang="en-US" smtClean="0"/>
-              <a:t>10-Apr-19</a:t>
+              <a:t>13-Apr-19</a:t>
             </a:fld>
             <a:endParaRPr lang="en-US"/>
           </a:p>
@@ -906,7 +906,7 @@
           <a:p>
             <a:fld id="{78C97017-6FC3-485B-9764-EAC9E56C1D49}" type="datetimeFigureOut">
               <a:rPr lang="en-US" smtClean="0"/>
-              <a:t>10-Apr-19</a:t>
+              <a:t>13-Apr-19</a:t>
             </a:fld>
             <a:endParaRPr lang="en-US"/>
           </a:p>
@@ -1084,7 +1084,7 @@
           <a:p>
             <a:fld id="{78C97017-6FC3-485B-9764-EAC9E56C1D49}" type="datetimeFigureOut">
               <a:rPr lang="en-US" smtClean="0"/>
-              <a:t>10-Apr-19</a:t>
+              <a:t>13-Apr-19</a:t>
             </a:fld>
             <a:endParaRPr lang="en-US"/>
           </a:p>
@@ -1252,7 +1252,7 @@
           <a:p>
             <a:fld id="{78C97017-6FC3-485B-9764-EAC9E56C1D49}" type="datetimeFigureOut">
               <a:rPr lang="en-US" smtClean="0"/>
-              <a:t>10-Apr-19</a:t>
+              <a:t>13-Apr-19</a:t>
             </a:fld>
             <a:endParaRPr lang="en-US"/>
           </a:p>
@@ -1497,7 +1497,7 @@
           <a:p>
             <a:fld id="{78C97017-6FC3-485B-9764-EAC9E56C1D49}" type="datetimeFigureOut">
               <a:rPr lang="en-US" smtClean="0"/>
-              <a:t>10-Apr-19</a:t>
+              <a:t>13-Apr-19</a:t>
             </a:fld>
             <a:endParaRPr lang="en-US"/>
           </a:p>
@@ -1782,7 +1782,7 @@
           <a:p>
             <a:fld id="{78C97017-6FC3-485B-9764-EAC9E56C1D49}" type="datetimeFigureOut">
               <a:rPr lang="en-US" smtClean="0"/>
-              <a:t>10-Apr-19</a:t>
+              <a:t>13-Apr-19</a:t>
             </a:fld>
             <a:endParaRPr lang="en-US"/>
           </a:p>
@@ -2201,7 +2201,7 @@
           <a:p>
             <a:fld id="{78C97017-6FC3-485B-9764-EAC9E56C1D49}" type="datetimeFigureOut">
               <a:rPr lang="en-US" smtClean="0"/>
-              <a:t>10-Apr-19</a:t>
+              <a:t>13-Apr-19</a:t>
             </a:fld>
             <a:endParaRPr lang="en-US"/>
           </a:p>
@@ -2318,7 +2318,7 @@
           <a:p>
             <a:fld id="{78C97017-6FC3-485B-9764-EAC9E56C1D49}" type="datetimeFigureOut">
               <a:rPr lang="en-US" smtClean="0"/>
-              <a:t>10-Apr-19</a:t>
+              <a:t>13-Apr-19</a:t>
             </a:fld>
             <a:endParaRPr lang="en-US"/>
           </a:p>
@@ -2413,7 +2413,7 @@
           <a:p>
             <a:fld id="{78C97017-6FC3-485B-9764-EAC9E56C1D49}" type="datetimeFigureOut">
               <a:rPr lang="en-US" smtClean="0"/>
-              <a:t>10-Apr-19</a:t>
+              <a:t>13-Apr-19</a:t>
             </a:fld>
             <a:endParaRPr lang="en-US"/>
           </a:p>
@@ -2688,7 +2688,7 @@
           <a:p>
             <a:fld id="{78C97017-6FC3-485B-9764-EAC9E56C1D49}" type="datetimeFigureOut">
               <a:rPr lang="en-US" smtClean="0"/>
-              <a:t>10-Apr-19</a:t>
+              <a:t>13-Apr-19</a:t>
             </a:fld>
             <a:endParaRPr lang="en-US"/>
           </a:p>
@@ -2940,7 +2940,7 @@
           <a:p>
             <a:fld id="{78C97017-6FC3-485B-9764-EAC9E56C1D49}" type="datetimeFigureOut">
               <a:rPr lang="en-US" smtClean="0"/>
-              <a:t>10-Apr-19</a:t>
+              <a:t>13-Apr-19</a:t>
             </a:fld>
             <a:endParaRPr lang="en-US"/>
           </a:p>
@@ -3151,7 +3151,7 @@
           <a:p>
             <a:fld id="{78C97017-6FC3-485B-9764-EAC9E56C1D49}" type="datetimeFigureOut">
               <a:rPr lang="en-US" smtClean="0"/>
-              <a:t>10-Apr-19</a:t>
+              <a:t>13-Apr-19</a:t>
             </a:fld>
             <a:endParaRPr lang="en-US"/>
           </a:p>
@@ -5832,6 +5832,391 @@
           </a:fontRef>
         </p:style>
       </p:cxnSp>
+      <p:sp>
+        <p:nvSpPr>
+          <p:cNvPr id="3" name="Octagon 2">
+            <a:extLst>
+              <a:ext uri="{FF2B5EF4-FFF2-40B4-BE49-F238E27FC236}">
+                <a16:creationId xmlns:a16="http://schemas.microsoft.com/office/drawing/2014/main" id="{4A2C33CF-2749-4535-AE39-AB6FB209D699}"/>
+              </a:ext>
+            </a:extLst>
+          </p:cNvPr>
+          <p:cNvSpPr/>
+          <p:nvPr/>
+        </p:nvSpPr>
+        <p:spPr>
+          <a:xfrm>
+            <a:off x="-1018810" y="1913645"/>
+            <a:ext cx="252000" cy="252000"/>
+          </a:xfrm>
+          <a:prstGeom prst="octagon">
+            <a:avLst/>
+          </a:prstGeom>
+          <a:solidFill>
+            <a:schemeClr val="accent6"/>
+          </a:solidFill>
+          <a:ln w="12700">
+            <a:solidFill>
+              <a:schemeClr val="tx1"/>
+            </a:solidFill>
+          </a:ln>
+        </p:spPr>
+        <p:style>
+          <a:lnRef idx="0">
+            <a:scrgbClr r="0" g="0" b="0"/>
+          </a:lnRef>
+          <a:fillRef idx="0">
+            <a:scrgbClr r="0" g="0" b="0"/>
+          </a:fillRef>
+          <a:effectRef idx="0">
+            <a:scrgbClr r="0" g="0" b="0"/>
+          </a:effectRef>
+          <a:fontRef idx="minor">
+            <a:schemeClr val="lt1"/>
+          </a:fontRef>
+        </p:style>
+        <p:txBody>
+          <a:bodyPr rtlCol="0" anchor="ctr"/>
+          <a:lstStyle/>
+          <a:p>
+            <a:pPr algn="ctr"/>
+            <a:r>
+              <a:rPr lang="en-US" dirty="0"/>
+              <a:t>1</a:t>
+            </a:r>
+          </a:p>
+        </p:txBody>
+      </p:sp>
+      <p:sp>
+        <p:nvSpPr>
+          <p:cNvPr id="53" name="Octagon 52">
+            <a:extLst>
+              <a:ext uri="{FF2B5EF4-FFF2-40B4-BE49-F238E27FC236}">
+                <a16:creationId xmlns:a16="http://schemas.microsoft.com/office/drawing/2014/main" id="{737F6B99-551D-4DDE-BDA8-86EEF5FF8D0B}"/>
+              </a:ext>
+            </a:extLst>
+          </p:cNvPr>
+          <p:cNvSpPr/>
+          <p:nvPr/>
+        </p:nvSpPr>
+        <p:spPr>
+          <a:xfrm>
+            <a:off x="1005832" y="1965928"/>
+            <a:ext cx="252000" cy="252000"/>
+          </a:xfrm>
+          <a:prstGeom prst="octagon">
+            <a:avLst/>
+          </a:prstGeom>
+          <a:solidFill>
+            <a:schemeClr val="accent6"/>
+          </a:solidFill>
+          <a:ln w="12700">
+            <a:solidFill>
+              <a:schemeClr val="tx1"/>
+            </a:solidFill>
+          </a:ln>
+        </p:spPr>
+        <p:style>
+          <a:lnRef idx="0">
+            <a:scrgbClr r="0" g="0" b="0"/>
+          </a:lnRef>
+          <a:fillRef idx="0">
+            <a:scrgbClr r="0" g="0" b="0"/>
+          </a:fillRef>
+          <a:effectRef idx="0">
+            <a:scrgbClr r="0" g="0" b="0"/>
+          </a:effectRef>
+          <a:fontRef idx="minor">
+            <a:schemeClr val="lt1"/>
+          </a:fontRef>
+        </p:style>
+        <p:txBody>
+          <a:bodyPr rtlCol="0" anchor="ctr"/>
+          <a:lstStyle/>
+          <a:p>
+            <a:pPr algn="ctr"/>
+            <a:r>
+              <a:rPr lang="en-US" dirty="0"/>
+              <a:t>2</a:t>
+            </a:r>
+          </a:p>
+        </p:txBody>
+      </p:sp>
+      <p:sp>
+        <p:nvSpPr>
+          <p:cNvPr id="54" name="Octagon 53">
+            <a:extLst>
+              <a:ext uri="{FF2B5EF4-FFF2-40B4-BE49-F238E27FC236}">
+                <a16:creationId xmlns:a16="http://schemas.microsoft.com/office/drawing/2014/main" id="{C4CBBF0D-C966-4B1A-AFE1-18F224A0D399}"/>
+              </a:ext>
+            </a:extLst>
+          </p:cNvPr>
+          <p:cNvSpPr/>
+          <p:nvPr/>
+        </p:nvSpPr>
+        <p:spPr>
+          <a:xfrm>
+            <a:off x="2793378" y="4001154"/>
+            <a:ext cx="252000" cy="252000"/>
+          </a:xfrm>
+          <a:prstGeom prst="octagon">
+            <a:avLst/>
+          </a:prstGeom>
+          <a:solidFill>
+            <a:schemeClr val="accent6"/>
+          </a:solidFill>
+          <a:ln w="12700">
+            <a:solidFill>
+              <a:schemeClr val="tx1"/>
+            </a:solidFill>
+          </a:ln>
+        </p:spPr>
+        <p:style>
+          <a:lnRef idx="0">
+            <a:scrgbClr r="0" g="0" b="0"/>
+          </a:lnRef>
+          <a:fillRef idx="0">
+            <a:scrgbClr r="0" g="0" b="0"/>
+          </a:fillRef>
+          <a:effectRef idx="0">
+            <a:scrgbClr r="0" g="0" b="0"/>
+          </a:effectRef>
+          <a:fontRef idx="minor">
+            <a:schemeClr val="lt1"/>
+          </a:fontRef>
+        </p:style>
+        <p:txBody>
+          <a:bodyPr rtlCol="0" anchor="ctr"/>
+          <a:lstStyle/>
+          <a:p>
+            <a:pPr algn="ctr"/>
+            <a:r>
+              <a:rPr lang="en-US" dirty="0"/>
+              <a:t>3</a:t>
+            </a:r>
+          </a:p>
+        </p:txBody>
+      </p:sp>
+      <p:sp>
+        <p:nvSpPr>
+          <p:cNvPr id="55" name="Octagon 54">
+            <a:extLst>
+              <a:ext uri="{FF2B5EF4-FFF2-40B4-BE49-F238E27FC236}">
+                <a16:creationId xmlns:a16="http://schemas.microsoft.com/office/drawing/2014/main" id="{1F5884B7-B740-481B-855C-23B6CEFA0DD3}"/>
+              </a:ext>
+            </a:extLst>
+          </p:cNvPr>
+          <p:cNvSpPr/>
+          <p:nvPr/>
+        </p:nvSpPr>
+        <p:spPr>
+          <a:xfrm>
+            <a:off x="5940713" y="3574992"/>
+            <a:ext cx="252000" cy="252000"/>
+          </a:xfrm>
+          <a:prstGeom prst="octagon">
+            <a:avLst/>
+          </a:prstGeom>
+          <a:solidFill>
+            <a:schemeClr val="accent6"/>
+          </a:solidFill>
+          <a:ln w="12700">
+            <a:solidFill>
+              <a:schemeClr val="tx1"/>
+            </a:solidFill>
+          </a:ln>
+        </p:spPr>
+        <p:style>
+          <a:lnRef idx="0">
+            <a:scrgbClr r="0" g="0" b="0"/>
+          </a:lnRef>
+          <a:fillRef idx="0">
+            <a:scrgbClr r="0" g="0" b="0"/>
+          </a:fillRef>
+          <a:effectRef idx="0">
+            <a:scrgbClr r="0" g="0" b="0"/>
+          </a:effectRef>
+          <a:fontRef idx="minor">
+            <a:schemeClr val="lt1"/>
+          </a:fontRef>
+        </p:style>
+        <p:txBody>
+          <a:bodyPr rtlCol="0" anchor="ctr"/>
+          <a:lstStyle/>
+          <a:p>
+            <a:pPr algn="ctr"/>
+            <a:r>
+              <a:rPr lang="en-US" dirty="0"/>
+              <a:t>4</a:t>
+            </a:r>
+          </a:p>
+        </p:txBody>
+      </p:sp>
+      <p:sp>
+        <p:nvSpPr>
+          <p:cNvPr id="56" name="Octagon 55">
+            <a:extLst>
+              <a:ext uri="{FF2B5EF4-FFF2-40B4-BE49-F238E27FC236}">
+                <a16:creationId xmlns:a16="http://schemas.microsoft.com/office/drawing/2014/main" id="{D9615EEB-6998-4600-85F1-1CBAB39E9584}"/>
+              </a:ext>
+            </a:extLst>
+          </p:cNvPr>
+          <p:cNvSpPr/>
+          <p:nvPr/>
+        </p:nvSpPr>
+        <p:spPr>
+          <a:xfrm>
+            <a:off x="7767238" y="4084157"/>
+            <a:ext cx="252000" cy="252000"/>
+          </a:xfrm>
+          <a:prstGeom prst="octagon">
+            <a:avLst/>
+          </a:prstGeom>
+          <a:solidFill>
+            <a:schemeClr val="accent6"/>
+          </a:solidFill>
+          <a:ln w="12700">
+            <a:solidFill>
+              <a:schemeClr val="tx1"/>
+            </a:solidFill>
+          </a:ln>
+        </p:spPr>
+        <p:style>
+          <a:lnRef idx="0">
+            <a:scrgbClr r="0" g="0" b="0"/>
+          </a:lnRef>
+          <a:fillRef idx="0">
+            <a:scrgbClr r="0" g="0" b="0"/>
+          </a:fillRef>
+          <a:effectRef idx="0">
+            <a:scrgbClr r="0" g="0" b="0"/>
+          </a:effectRef>
+          <a:fontRef idx="minor">
+            <a:schemeClr val="lt1"/>
+          </a:fontRef>
+        </p:style>
+        <p:txBody>
+          <a:bodyPr rtlCol="0" anchor="ctr"/>
+          <a:lstStyle/>
+          <a:p>
+            <a:pPr algn="ctr"/>
+            <a:r>
+              <a:rPr lang="en-US" dirty="0"/>
+              <a:t>5</a:t>
+            </a:r>
+          </a:p>
+        </p:txBody>
+      </p:sp>
+      <p:sp>
+        <p:nvSpPr>
+          <p:cNvPr id="57" name="Octagon 56">
+            <a:extLst>
+              <a:ext uri="{FF2B5EF4-FFF2-40B4-BE49-F238E27FC236}">
+                <a16:creationId xmlns:a16="http://schemas.microsoft.com/office/drawing/2014/main" id="{9A5F35E1-CC10-4DEC-8E32-19EE42DA47A0}"/>
+              </a:ext>
+            </a:extLst>
+          </p:cNvPr>
+          <p:cNvSpPr/>
+          <p:nvPr/>
+        </p:nvSpPr>
+        <p:spPr>
+          <a:xfrm>
+            <a:off x="9499718" y="4073665"/>
+            <a:ext cx="252000" cy="252000"/>
+          </a:xfrm>
+          <a:prstGeom prst="octagon">
+            <a:avLst/>
+          </a:prstGeom>
+          <a:solidFill>
+            <a:schemeClr val="accent6"/>
+          </a:solidFill>
+          <a:ln w="12700">
+            <a:solidFill>
+              <a:schemeClr val="tx1"/>
+            </a:solidFill>
+          </a:ln>
+        </p:spPr>
+        <p:style>
+          <a:lnRef idx="0">
+            <a:scrgbClr r="0" g="0" b="0"/>
+          </a:lnRef>
+          <a:fillRef idx="0">
+            <a:scrgbClr r="0" g="0" b="0"/>
+          </a:fillRef>
+          <a:effectRef idx="0">
+            <a:scrgbClr r="0" g="0" b="0"/>
+          </a:effectRef>
+          <a:fontRef idx="minor">
+            <a:schemeClr val="lt1"/>
+          </a:fontRef>
+        </p:style>
+        <p:txBody>
+          <a:bodyPr rtlCol="0" anchor="ctr"/>
+          <a:lstStyle/>
+          <a:p>
+            <a:pPr algn="ctr"/>
+            <a:r>
+              <a:rPr lang="en-US" dirty="0"/>
+              <a:t>6</a:t>
+            </a:r>
+          </a:p>
+        </p:txBody>
+      </p:sp>
+      <p:sp>
+        <p:nvSpPr>
+          <p:cNvPr id="58" name="Octagon 57">
+            <a:extLst>
+              <a:ext uri="{FF2B5EF4-FFF2-40B4-BE49-F238E27FC236}">
+                <a16:creationId xmlns:a16="http://schemas.microsoft.com/office/drawing/2014/main" id="{0482A277-BF82-4583-B661-05581912166F}"/>
+              </a:ext>
+            </a:extLst>
+          </p:cNvPr>
+          <p:cNvSpPr/>
+          <p:nvPr/>
+        </p:nvSpPr>
+        <p:spPr>
+          <a:xfrm>
+            <a:off x="2878345" y="5054781"/>
+            <a:ext cx="252000" cy="252000"/>
+          </a:xfrm>
+          <a:prstGeom prst="octagon">
+            <a:avLst/>
+          </a:prstGeom>
+          <a:solidFill>
+            <a:schemeClr val="accent6"/>
+          </a:solidFill>
+          <a:ln w="12700">
+            <a:solidFill>
+              <a:schemeClr val="tx1"/>
+            </a:solidFill>
+          </a:ln>
+        </p:spPr>
+        <p:style>
+          <a:lnRef idx="0">
+            <a:scrgbClr r="0" g="0" b="0"/>
+          </a:lnRef>
+          <a:fillRef idx="0">
+            <a:scrgbClr r="0" g="0" b="0"/>
+          </a:fillRef>
+          <a:effectRef idx="0">
+            <a:scrgbClr r="0" g="0" b="0"/>
+          </a:effectRef>
+          <a:fontRef idx="minor">
+            <a:schemeClr val="lt1"/>
+          </a:fontRef>
+        </p:style>
+        <p:txBody>
+          <a:bodyPr rtlCol="0" anchor="ctr"/>
+          <a:lstStyle/>
+          <a:p>
+            <a:pPr algn="ctr"/>
+            <a:r>
+              <a:rPr lang="en-US" dirty="0"/>
+              <a:t>7</a:t>
+            </a:r>
+          </a:p>
+        </p:txBody>
+      </p:sp>
     </p:spTree>
     <p:extLst>
       <p:ext uri="{BB962C8B-B14F-4D97-AF65-F5344CB8AC3E}">

--- a/docs/diagrams/Command_Generate_SequenceDiagram.pptx
+++ b/docs/diagrams/Command_Generate_SequenceDiagram.pptx
@@ -208,7 +208,7 @@
           <a:p>
             <a:fld id="{F5CC4B3F-88C1-4FFA-B1B6-F41C21DC6924}" type="datetimeFigureOut">
               <a:rPr lang="en-US" smtClean="0"/>
-              <a:t>13-Apr-19</a:t>
+              <a:t>15-Apr-19</a:t>
             </a:fld>
             <a:endParaRPr lang="en-US"/>
           </a:p>
@@ -738,7 +738,7 @@
           <a:p>
             <a:fld id="{78C97017-6FC3-485B-9764-EAC9E56C1D49}" type="datetimeFigureOut">
               <a:rPr lang="en-US" smtClean="0"/>
-              <a:t>13-Apr-19</a:t>
+              <a:t>15-Apr-19</a:t>
             </a:fld>
             <a:endParaRPr lang="en-US"/>
           </a:p>
@@ -906,7 +906,7 @@
           <a:p>
             <a:fld id="{78C97017-6FC3-485B-9764-EAC9E56C1D49}" type="datetimeFigureOut">
               <a:rPr lang="en-US" smtClean="0"/>
-              <a:t>13-Apr-19</a:t>
+              <a:t>15-Apr-19</a:t>
             </a:fld>
             <a:endParaRPr lang="en-US"/>
           </a:p>
@@ -1084,7 +1084,7 @@
           <a:p>
             <a:fld id="{78C97017-6FC3-485B-9764-EAC9E56C1D49}" type="datetimeFigureOut">
               <a:rPr lang="en-US" smtClean="0"/>
-              <a:t>13-Apr-19</a:t>
+              <a:t>15-Apr-19</a:t>
             </a:fld>
             <a:endParaRPr lang="en-US"/>
           </a:p>
@@ -1252,7 +1252,7 @@
           <a:p>
             <a:fld id="{78C97017-6FC3-485B-9764-EAC9E56C1D49}" type="datetimeFigureOut">
               <a:rPr lang="en-US" smtClean="0"/>
-              <a:t>13-Apr-19</a:t>
+              <a:t>15-Apr-19</a:t>
             </a:fld>
             <a:endParaRPr lang="en-US"/>
           </a:p>
@@ -1497,7 +1497,7 @@
           <a:p>
             <a:fld id="{78C97017-6FC3-485B-9764-EAC9E56C1D49}" type="datetimeFigureOut">
               <a:rPr lang="en-US" smtClean="0"/>
-              <a:t>13-Apr-19</a:t>
+              <a:t>15-Apr-19</a:t>
             </a:fld>
             <a:endParaRPr lang="en-US"/>
           </a:p>
@@ -1782,7 +1782,7 @@
           <a:p>
             <a:fld id="{78C97017-6FC3-485B-9764-EAC9E56C1D49}" type="datetimeFigureOut">
               <a:rPr lang="en-US" smtClean="0"/>
-              <a:t>13-Apr-19</a:t>
+              <a:t>15-Apr-19</a:t>
             </a:fld>
             <a:endParaRPr lang="en-US"/>
           </a:p>
@@ -2201,7 +2201,7 @@
           <a:p>
             <a:fld id="{78C97017-6FC3-485B-9764-EAC9E56C1D49}" type="datetimeFigureOut">
               <a:rPr lang="en-US" smtClean="0"/>
-              <a:t>13-Apr-19</a:t>
+              <a:t>15-Apr-19</a:t>
             </a:fld>
             <a:endParaRPr lang="en-US"/>
           </a:p>
@@ -2318,7 +2318,7 @@
           <a:p>
             <a:fld id="{78C97017-6FC3-485B-9764-EAC9E56C1D49}" type="datetimeFigureOut">
               <a:rPr lang="en-US" smtClean="0"/>
-              <a:t>13-Apr-19</a:t>
+              <a:t>15-Apr-19</a:t>
             </a:fld>
             <a:endParaRPr lang="en-US"/>
           </a:p>
@@ -2413,7 +2413,7 @@
           <a:p>
             <a:fld id="{78C97017-6FC3-485B-9764-EAC9E56C1D49}" type="datetimeFigureOut">
               <a:rPr lang="en-US" smtClean="0"/>
-              <a:t>13-Apr-19</a:t>
+              <a:t>15-Apr-19</a:t>
             </a:fld>
             <a:endParaRPr lang="en-US"/>
           </a:p>
@@ -2688,7 +2688,7 @@
           <a:p>
             <a:fld id="{78C97017-6FC3-485B-9764-EAC9E56C1D49}" type="datetimeFigureOut">
               <a:rPr lang="en-US" smtClean="0"/>
-              <a:t>13-Apr-19</a:t>
+              <a:t>15-Apr-19</a:t>
             </a:fld>
             <a:endParaRPr lang="en-US"/>
           </a:p>
@@ -2940,7 +2940,7 @@
           <a:p>
             <a:fld id="{78C97017-6FC3-485B-9764-EAC9E56C1D49}" type="datetimeFigureOut">
               <a:rPr lang="en-US" smtClean="0"/>
-              <a:t>13-Apr-19</a:t>
+              <a:t>15-Apr-19</a:t>
             </a:fld>
             <a:endParaRPr lang="en-US"/>
           </a:p>
@@ -3151,7 +3151,7 @@
           <a:p>
             <a:fld id="{78C97017-6FC3-485B-9764-EAC9E56C1D49}" type="datetimeFigureOut">
               <a:rPr lang="en-US" smtClean="0"/>
-              <a:t>13-Apr-19</a:t>
+              <a:t>15-Apr-19</a:t>
             </a:fld>
             <a:endParaRPr lang="en-US"/>
           </a:p>
@@ -3535,7 +3535,7 @@
         <p:spPr>
           <a:xfrm>
             <a:off x="-1752600" y="914404"/>
-            <a:ext cx="8172708" cy="4563587"/>
+            <a:ext cx="8172708" cy="4826068"/>
           </a:xfrm>
           <a:prstGeom prst="roundRect">
             <a:avLst>
@@ -3796,13 +3796,14 @@
           <p:cNvPr id="17" name="Straight Connector 16"/>
           <p:cNvCxnSpPr>
             <a:cxnSpLocks/>
+            <a:endCxn id="18" idx="2"/>
           </p:cNvCxnSpPr>
           <p:nvPr/>
         </p:nvCxnSpPr>
         <p:spPr>
           <a:xfrm>
             <a:off x="2387303" y="1481199"/>
-            <a:ext cx="39117" cy="2101757"/>
+            <a:ext cx="11365" cy="1999672"/>
           </a:xfrm>
           <a:prstGeom prst="line">
             <a:avLst/>
@@ -3954,7 +3955,7 @@
         </p:nvSpPr>
         <p:spPr>
           <a:xfrm>
-            <a:off x="2429045" y="3687280"/>
+            <a:off x="2429045" y="3810000"/>
             <a:ext cx="855809" cy="215444"/>
           </a:xfrm>
           <a:prstGeom prst="rect">
@@ -4120,7 +4121,7 @@
         </p:nvCxnSpPr>
         <p:spPr>
           <a:xfrm flipV="1">
-            <a:off x="23555" y="3927686"/>
+            <a:off x="23555" y="4026613"/>
             <a:ext cx="4955758" cy="11987"/>
           </a:xfrm>
           <a:prstGeom prst="straightConnector1">
@@ -4344,7 +4345,7 @@
         </p:nvSpPr>
         <p:spPr>
           <a:xfrm>
-            <a:off x="4996985" y="3922845"/>
+            <a:off x="5007522" y="3999796"/>
             <a:ext cx="133152" cy="1073343"/>
           </a:xfrm>
           <a:prstGeom prst="rect">
@@ -4399,8 +4400,8 @@
         </p:nvCxnSpPr>
         <p:spPr>
           <a:xfrm>
-            <a:off x="2268756" y="3048000"/>
-            <a:ext cx="1887265" cy="0"/>
+            <a:off x="2514598" y="3048000"/>
+            <a:ext cx="1641423" cy="0"/>
           </a:xfrm>
           <a:prstGeom prst="straightConnector1">
             <a:avLst/>
@@ -4441,7 +4442,7 @@
         </p:nvSpPr>
         <p:spPr>
           <a:xfrm>
-            <a:off x="4156021" y="2695773"/>
+            <a:off x="4166558" y="2772724"/>
             <a:ext cx="1896297" cy="461538"/>
           </a:xfrm>
           <a:prstGeom prst="rect">
@@ -4509,7 +4510,7 @@
         </p:nvCxnSpPr>
         <p:spPr>
           <a:xfrm>
-            <a:off x="2514598" y="3342549"/>
+            <a:off x="2525135" y="3419500"/>
             <a:ext cx="2545767" cy="0"/>
           </a:xfrm>
           <a:prstGeom prst="straightConnector1">
@@ -4553,7 +4554,7 @@
         </p:nvSpPr>
         <p:spPr>
           <a:xfrm>
-            <a:off x="4984265" y="3171476"/>
+            <a:off x="4994802" y="3248427"/>
             <a:ext cx="152200" cy="171073"/>
           </a:xfrm>
           <a:prstGeom prst="rect">
@@ -4608,7 +4609,7 @@
         </p:nvCxnSpPr>
         <p:spPr>
           <a:xfrm>
-            <a:off x="5046732" y="3128690"/>
+            <a:off x="5057269" y="3205641"/>
             <a:ext cx="27266" cy="2108590"/>
           </a:xfrm>
           <a:prstGeom prst="line">
@@ -4652,7 +4653,7 @@
         <p:spPr>
           <a:xfrm>
             <a:off x="6507233" y="914403"/>
-            <a:ext cx="4465567" cy="4563587"/>
+            <a:ext cx="4465567" cy="4826068"/>
           </a:xfrm>
           <a:prstGeom prst="roundRect">
             <a:avLst>
@@ -4828,7 +4829,7 @@
         </p:nvSpPr>
         <p:spPr>
           <a:xfrm>
-            <a:off x="6974499" y="3976449"/>
+            <a:off x="6974499" y="4043108"/>
             <a:ext cx="218331" cy="833692"/>
           </a:xfrm>
           <a:prstGeom prst="rect">
@@ -5062,7 +5063,7 @@
         <p:spPr>
           <a:xfrm>
             <a:off x="2450388" y="4705828"/>
-            <a:ext cx="762000" cy="215444"/>
+            <a:ext cx="1396310" cy="215444"/>
           </a:xfrm>
           <a:prstGeom prst="rect">
             <a:avLst/>
@@ -5088,7 +5089,7 @@
           <a:p>
             <a:r>
               <a:rPr lang="en-US" dirty="0"/>
-              <a:t>result</a:t>
+              <a:t>CommandResult()</a:t>
             </a:r>
           </a:p>
         </p:txBody>
@@ -5107,7 +5108,7 @@
         </p:nvSpPr>
         <p:spPr>
           <a:xfrm>
-            <a:off x="4956506" y="5227021"/>
+            <a:off x="4967043" y="5303972"/>
             <a:ext cx="258404" cy="261610"/>
           </a:xfrm>
           <a:prstGeom prst="rect">
@@ -5348,7 +5349,7 @@
         </p:nvSpPr>
         <p:spPr>
           <a:xfrm>
-            <a:off x="8675259" y="4425936"/>
+            <a:off x="8675259" y="4578336"/>
             <a:ext cx="207284" cy="374664"/>
           </a:xfrm>
           <a:prstGeom prst="rect">
@@ -5652,7 +5653,7 @@
         </p:nvSpPr>
         <p:spPr>
           <a:xfrm>
-            <a:off x="10199386" y="4425936"/>
+            <a:off x="10199386" y="4578336"/>
             <a:ext cx="207284" cy="374664"/>
           </a:xfrm>
           <a:prstGeom prst="rect">
@@ -5707,8 +5708,8 @@
         </p:nvCxnSpPr>
         <p:spPr>
           <a:xfrm>
-            <a:off x="8866982" y="4570117"/>
-            <a:ext cx="1482429" cy="0"/>
+            <a:off x="8872178" y="4576454"/>
+            <a:ext cx="1332404" cy="1883"/>
           </a:xfrm>
           <a:prstGeom prst="straightConnector1">
             <a:avLst/>
@@ -5956,7 +5957,7 @@
         </p:nvSpPr>
         <p:spPr>
           <a:xfrm>
-            <a:off x="2793378" y="4001154"/>
+            <a:off x="2793378" y="4114800"/>
             <a:ext cx="252000" cy="252000"/>
           </a:xfrm>
           <a:prstGeom prst="octagon">
@@ -6011,7 +6012,7 @@
         </p:nvSpPr>
         <p:spPr>
           <a:xfrm>
-            <a:off x="5940713" y="3574992"/>
+            <a:off x="5970839" y="3585168"/>
             <a:ext cx="252000" cy="252000"/>
           </a:xfrm>
           <a:prstGeom prst="octagon">
@@ -6066,7 +6067,7 @@
         </p:nvSpPr>
         <p:spPr>
           <a:xfrm>
-            <a:off x="7767238" y="4084157"/>
+            <a:off x="7758082" y="4070578"/>
             <a:ext cx="252000" cy="252000"/>
           </a:xfrm>
           <a:prstGeom prst="octagon">
